--- a/4100E104_NUMPY_20220309_A.pptx
+++ b/4100E104_NUMPY_20220309_A.pptx
@@ -17,7 +17,7 @@
     <p:sldId id="277" r:id="rId11"/>
     <p:sldId id="292" r:id="rId12"/>
     <p:sldId id="259" r:id="rId13"/>
-    <p:sldId id="271" r:id="rId14"/>
+    <p:sldId id="327" r:id="rId14"/>
     <p:sldId id="291" r:id="rId15"/>
     <p:sldId id="264" r:id="rId16"/>
     <p:sldId id="324" r:id="rId17"/>
@@ -68,6 +68,10 @@
     <p:sldId id="315" r:id="rId62"/>
     <p:sldId id="316" r:id="rId63"/>
     <p:sldId id="296" r:id="rId64"/>
+    <p:sldId id="300" r:id="rId65"/>
+    <p:sldId id="301" r:id="rId66"/>
+    <p:sldId id="302" r:id="rId67"/>
+    <p:sldId id="323" r:id="rId68"/>
   </p:sldIdLst>
   <p:sldSz cx="12192000" cy="6858000"/>
   <p:notesSz cx="6858000" cy="9144000"/>
@@ -396,6 +400,62 @@
 </p:cmLst>
 </file>
 
+<file path=ppt/comments/comment23.xml><?xml version="1.0" encoding="utf-8"?>
+<p:cmLst xmlns:a="http://schemas.openxmlformats.org/drawingml/2006/main" xmlns:r="http://schemas.openxmlformats.org/officeDocument/2006/relationships" xmlns:p="http://schemas.openxmlformats.org/presentationml/2006/main">
+  <p:cm authorId="1" dt="2022-03-09T11:48:10.354" idx="28">
+    <p:pos x="10" y="10"/>
+    <p:text>尚未完成</p:text>
+    <p:extLst>
+      <p:ext uri="{C676402C-5697-4E1C-873F-D02D1690AC5C}">
+        <p15:threadingInfo xmlns:p15="http://schemas.microsoft.com/office/powerpoint/2012/main" timeZoneBias="-480"/>
+      </p:ext>
+    </p:extLst>
+  </p:cm>
+</p:cmLst>
+</file>
+
+<file path=ppt/comments/comment24.xml><?xml version="1.0" encoding="utf-8"?>
+<p:cmLst xmlns:a="http://schemas.openxmlformats.org/drawingml/2006/main" xmlns:r="http://schemas.openxmlformats.org/officeDocument/2006/relationships" xmlns:p="http://schemas.openxmlformats.org/presentationml/2006/main">
+  <p:cm authorId="1" dt="2022-03-09T11:48:12.705" idx="29">
+    <p:pos x="10" y="10"/>
+    <p:text>尚未完成</p:text>
+    <p:extLst>
+      <p:ext uri="{C676402C-5697-4E1C-873F-D02D1690AC5C}">
+        <p15:threadingInfo xmlns:p15="http://schemas.microsoft.com/office/powerpoint/2012/main" timeZoneBias="-480"/>
+      </p:ext>
+    </p:extLst>
+  </p:cm>
+</p:cmLst>
+</file>
+
+<file path=ppt/comments/comment25.xml><?xml version="1.0" encoding="utf-8"?>
+<p:cmLst xmlns:a="http://schemas.openxmlformats.org/drawingml/2006/main" xmlns:r="http://schemas.openxmlformats.org/officeDocument/2006/relationships" xmlns:p="http://schemas.openxmlformats.org/presentationml/2006/main">
+  <p:cm authorId="1" dt="2022-03-09T11:48:39.305" idx="30">
+    <p:pos x="10" y="10"/>
+    <p:text>尚未完成</p:text>
+    <p:extLst>
+      <p:ext uri="{C676402C-5697-4E1C-873F-D02D1690AC5C}">
+        <p15:threadingInfo xmlns:p15="http://schemas.microsoft.com/office/powerpoint/2012/main" timeZoneBias="-480"/>
+      </p:ext>
+    </p:extLst>
+  </p:cm>
+</p:cmLst>
+</file>
+
+<file path=ppt/comments/comment26.xml><?xml version="1.0" encoding="utf-8"?>
+<p:cmLst xmlns:a="http://schemas.openxmlformats.org/drawingml/2006/main" xmlns:r="http://schemas.openxmlformats.org/officeDocument/2006/relationships" xmlns:p="http://schemas.openxmlformats.org/presentationml/2006/main">
+  <p:cm authorId="1" dt="2022-03-09T11:48:54.940" idx="31">
+    <p:pos x="6970" y="2543"/>
+    <p:text>尚未完成</p:text>
+    <p:extLst>
+      <p:ext uri="{C676402C-5697-4E1C-873F-D02D1690AC5C}">
+        <p15:threadingInfo xmlns:p15="http://schemas.microsoft.com/office/powerpoint/2012/main" timeZoneBias="-480"/>
+      </p:ext>
+    </p:extLst>
+  </p:cm>
+</p:cmLst>
+</file>
+
 <file path=ppt/comments/comment3.xml><?xml version="1.0" encoding="utf-8"?>
 <p:cmLst xmlns:a="http://schemas.openxmlformats.org/drawingml/2006/main" xmlns:r="http://schemas.openxmlformats.org/officeDocument/2006/relationships" xmlns:p="http://schemas.openxmlformats.org/presentationml/2006/main">
   <p:cm authorId="1" dt="2022-03-09T11:47:45.354" idx="25">
@@ -641,7 +701,7 @@
           <a:p>
             <a:fld id="{60B46F8D-7063-4E17-9E1D-50D735115A78}" type="datetimeFigureOut">
               <a:rPr lang="zh-TW" altLang="en-US" smtClean="0"/>
-              <a:t>2022/3/16</a:t>
+              <a:t>2022/3/30</a:t>
             </a:fld>
             <a:endParaRPr lang="zh-TW" altLang="en-US"/>
           </a:p>
@@ -839,7 +899,7 @@
           <a:p>
             <a:fld id="{60B46F8D-7063-4E17-9E1D-50D735115A78}" type="datetimeFigureOut">
               <a:rPr lang="zh-TW" altLang="en-US" smtClean="0"/>
-              <a:t>2022/3/16</a:t>
+              <a:t>2022/3/30</a:t>
             </a:fld>
             <a:endParaRPr lang="zh-TW" altLang="en-US"/>
           </a:p>
@@ -1047,7 +1107,7 @@
           <a:p>
             <a:fld id="{60B46F8D-7063-4E17-9E1D-50D735115A78}" type="datetimeFigureOut">
               <a:rPr lang="zh-TW" altLang="en-US" smtClean="0"/>
-              <a:t>2022/3/16</a:t>
+              <a:t>2022/3/30</a:t>
             </a:fld>
             <a:endParaRPr lang="zh-TW" altLang="en-US"/>
           </a:p>
@@ -1245,7 +1305,7 @@
           <a:p>
             <a:fld id="{60B46F8D-7063-4E17-9E1D-50D735115A78}" type="datetimeFigureOut">
               <a:rPr lang="zh-TW" altLang="en-US" smtClean="0"/>
-              <a:t>2022/3/16</a:t>
+              <a:t>2022/3/30</a:t>
             </a:fld>
             <a:endParaRPr lang="zh-TW" altLang="en-US"/>
           </a:p>
@@ -1520,7 +1580,7 @@
           <a:p>
             <a:fld id="{60B46F8D-7063-4E17-9E1D-50D735115A78}" type="datetimeFigureOut">
               <a:rPr lang="zh-TW" altLang="en-US" smtClean="0"/>
-              <a:t>2022/3/16</a:t>
+              <a:t>2022/3/30</a:t>
             </a:fld>
             <a:endParaRPr lang="zh-TW" altLang="en-US"/>
           </a:p>
@@ -1785,7 +1845,7 @@
           <a:p>
             <a:fld id="{60B46F8D-7063-4E17-9E1D-50D735115A78}" type="datetimeFigureOut">
               <a:rPr lang="zh-TW" altLang="en-US" smtClean="0"/>
-              <a:t>2022/3/16</a:t>
+              <a:t>2022/3/30</a:t>
             </a:fld>
             <a:endParaRPr lang="zh-TW" altLang="en-US"/>
           </a:p>
@@ -2197,7 +2257,7 @@
           <a:p>
             <a:fld id="{60B46F8D-7063-4E17-9E1D-50D735115A78}" type="datetimeFigureOut">
               <a:rPr lang="zh-TW" altLang="en-US" smtClean="0"/>
-              <a:t>2022/3/16</a:t>
+              <a:t>2022/3/30</a:t>
             </a:fld>
             <a:endParaRPr lang="zh-TW" altLang="en-US"/>
           </a:p>
@@ -2338,7 +2398,7 @@
           <a:p>
             <a:fld id="{60B46F8D-7063-4E17-9E1D-50D735115A78}" type="datetimeFigureOut">
               <a:rPr lang="zh-TW" altLang="en-US" smtClean="0"/>
-              <a:t>2022/3/16</a:t>
+              <a:t>2022/3/30</a:t>
             </a:fld>
             <a:endParaRPr lang="zh-TW" altLang="en-US"/>
           </a:p>
@@ -2451,7 +2511,7 @@
           <a:p>
             <a:fld id="{60B46F8D-7063-4E17-9E1D-50D735115A78}" type="datetimeFigureOut">
               <a:rPr lang="zh-TW" altLang="en-US" smtClean="0"/>
-              <a:t>2022/3/16</a:t>
+              <a:t>2022/3/30</a:t>
             </a:fld>
             <a:endParaRPr lang="zh-TW" altLang="en-US"/>
           </a:p>
@@ -2762,7 +2822,7 @@
           <a:p>
             <a:fld id="{60B46F8D-7063-4E17-9E1D-50D735115A78}" type="datetimeFigureOut">
               <a:rPr lang="zh-TW" altLang="en-US" smtClean="0"/>
-              <a:t>2022/3/16</a:t>
+              <a:t>2022/3/30</a:t>
             </a:fld>
             <a:endParaRPr lang="zh-TW" altLang="en-US"/>
           </a:p>
@@ -3050,7 +3110,7 @@
           <a:p>
             <a:fld id="{60B46F8D-7063-4E17-9E1D-50D735115A78}" type="datetimeFigureOut">
               <a:rPr lang="zh-TW" altLang="en-US" smtClean="0"/>
-              <a:t>2022/3/16</a:t>
+              <a:t>2022/3/30</a:t>
             </a:fld>
             <a:endParaRPr lang="zh-TW" altLang="en-US"/>
           </a:p>
@@ -3291,7 +3351,7 @@
           <a:p>
             <a:fld id="{60B46F8D-7063-4E17-9E1D-50D735115A78}" type="datetimeFigureOut">
               <a:rPr lang="zh-TW" altLang="en-US" smtClean="0"/>
-              <a:t>2022/3/16</a:t>
+              <a:t>2022/3/30</a:t>
             </a:fld>
             <a:endParaRPr lang="zh-TW" altLang="en-US"/>
           </a:p>
@@ -4333,13 +4393,7 @@
       </p:grpSpPr>
       <p:sp>
         <p:nvSpPr>
-          <p:cNvPr id="2" name="標題 1">
-            <a:extLst>
-              <a:ext uri="{FF2B5EF4-FFF2-40B4-BE49-F238E27FC236}">
-                <a16:creationId xmlns:a16="http://schemas.microsoft.com/office/drawing/2014/main" id="{925355AF-5232-4299-A6D8-3314E48A0A9B}"/>
-              </a:ext>
-            </a:extLst>
-          </p:cNvPr>
+          <p:cNvPr id="2" name="標題 1"/>
           <p:cNvSpPr>
             <a:spLocks noGrp="1"/>
           </p:cNvSpPr>
@@ -4349,46 +4403,171 @@
         </p:nvSpPr>
         <p:spPr/>
         <p:txBody>
-          <a:bodyPr>
-            <a:normAutofit/>
-          </a:bodyPr>
-          <a:lstStyle/>
-          <a:p>
+          <a:bodyPr/>
+          <a:lstStyle/>
+          <a:p>
+            <a:r>
+              <a:rPr lang="en-US" altLang="zh-TW" b="1" dirty="0"/>
+              <a:t>Google </a:t>
+            </a:r>
+            <a:r>
+              <a:rPr lang="en-US" altLang="zh-TW" b="1" dirty="0" err="1" smtClean="0"/>
+              <a:t>colab</a:t>
+            </a:r>
+            <a:r>
+              <a:rPr lang="en-US" altLang="zh-TW" b="1" dirty="0" smtClean="0"/>
+              <a:t> </a:t>
+            </a:r>
+            <a:r>
+              <a:rPr lang="zh-TW" altLang="en-US" b="1" dirty="0" smtClean="0"/>
+              <a:t>常用</a:t>
+            </a:r>
             <a:r>
               <a:rPr lang="zh-TW" altLang="en-US" b="1" dirty="0"/>
-              <a:t>資料科學</a:t>
-            </a:r>
-            <a:r>
-              <a:rPr lang="en-US" altLang="zh-TW" b="1" dirty="0"/>
-              <a:t>(Data Science)</a:t>
-            </a:r>
-            <a:r>
-              <a:rPr lang="zh-TW" altLang="en-US" b="1" dirty="0"/>
-              <a:t>常用套件與開發環境</a:t>
-            </a:r>
-            <a:r>
-              <a:rPr lang="en-US" altLang="zh-TW" b="1" dirty="0"/>
-              <a:t>:Google cloud platform</a:t>
-            </a:r>
-            <a:endParaRPr lang="zh-TW" altLang="en-US" b="1" dirty="0"/>
+              <a:t>套件與開發環境</a:t>
+            </a:r>
+            <a:endParaRPr lang="zh-TW" altLang="en-US" dirty="0"/>
+          </a:p>
+        </p:txBody>
+      </p:sp>
+      <p:sp>
+        <p:nvSpPr>
+          <p:cNvPr id="3" name="內容版面配置區 2"/>
+          <p:cNvSpPr>
+            <a:spLocks noGrp="1"/>
+          </p:cNvSpPr>
+          <p:nvPr>
+            <p:ph idx="1"/>
+          </p:nvPr>
+        </p:nvSpPr>
+        <p:spPr/>
+        <p:txBody>
+          <a:bodyPr/>
+          <a:lstStyle/>
+          <a:p>
+            <a:r>
+              <a:rPr lang="zh-TW" altLang="en-US" dirty="0"/>
+              <a:t>是一個基於 </a:t>
+            </a:r>
+            <a:r>
+              <a:rPr lang="en-US" altLang="zh-TW" dirty="0" err="1"/>
+              <a:t>Jupyter</a:t>
+            </a:r>
+            <a:r>
+              <a:rPr lang="en-US" altLang="zh-TW" dirty="0"/>
+              <a:t> Notebook </a:t>
+            </a:r>
+            <a:endParaRPr lang="en-US" altLang="zh-TW" dirty="0" smtClean="0"/>
+          </a:p>
+          <a:p>
+            <a:pPr marL="0" indent="0">
+              <a:buNone/>
+            </a:pPr>
+            <a:r>
+              <a:rPr lang="zh-TW" altLang="en-US" dirty="0" smtClean="0"/>
+              <a:t>的</a:t>
+            </a:r>
+            <a:r>
+              <a:rPr lang="zh-TW" altLang="en-US" dirty="0"/>
+              <a:t>免費</a:t>
+            </a:r>
+            <a:r>
+              <a:rPr lang="en-US" altLang="zh-TW" dirty="0"/>
+              <a:t>CPU</a:t>
+            </a:r>
+            <a:r>
+              <a:rPr lang="zh-TW" altLang="en-US" dirty="0"/>
+              <a:t>虛擬機，透過</a:t>
+            </a:r>
+            <a:r>
+              <a:rPr lang="zh-TW" altLang="en-US" dirty="0" smtClean="0"/>
+              <a:t>瀏覽</a:t>
+            </a:r>
+            <a:endParaRPr lang="en-US" altLang="zh-TW" dirty="0" smtClean="0"/>
+          </a:p>
+          <a:p>
+            <a:pPr marL="0" indent="0">
+              <a:buNone/>
+            </a:pPr>
+            <a:r>
+              <a:rPr lang="zh-TW" altLang="en-US" dirty="0" smtClean="0"/>
+              <a:t>器</a:t>
+            </a:r>
+            <a:r>
+              <a:rPr lang="zh-TW" altLang="en-US" dirty="0"/>
+              <a:t>即可編寫程式，當離開</a:t>
+            </a:r>
+            <a:r>
+              <a:rPr lang="zh-TW" altLang="en-US" dirty="0" smtClean="0"/>
+              <a:t>瀏覽</a:t>
+            </a:r>
+            <a:endParaRPr lang="en-US" altLang="zh-TW" dirty="0" smtClean="0"/>
+          </a:p>
+          <a:p>
+            <a:pPr marL="0" indent="0">
+              <a:buNone/>
+            </a:pPr>
+            <a:r>
+              <a:rPr lang="zh-TW" altLang="en-US" dirty="0" smtClean="0"/>
+              <a:t>器</a:t>
+            </a:r>
+            <a:r>
+              <a:rPr lang="zh-TW" altLang="en-US" dirty="0"/>
+              <a:t>操作畫面，虛擬機上的</a:t>
+            </a:r>
+            <a:r>
+              <a:rPr lang="zh-TW" altLang="en-US" dirty="0" smtClean="0"/>
+              <a:t>操作</a:t>
+            </a:r>
+            <a:endParaRPr lang="en-US" altLang="zh-TW" dirty="0" smtClean="0"/>
+          </a:p>
+          <a:p>
+            <a:pPr marL="0" indent="0">
+              <a:buNone/>
+            </a:pPr>
+            <a:r>
+              <a:rPr lang="zh-TW" altLang="en-US" dirty="0" smtClean="0"/>
+              <a:t>資料</a:t>
+            </a:r>
+            <a:r>
+              <a:rPr lang="zh-TW" altLang="en-US" dirty="0"/>
+              <a:t>都被清空，所以使用者</a:t>
+            </a:r>
+            <a:r>
+              <a:rPr lang="zh-TW" altLang="en-US" dirty="0" smtClean="0"/>
+              <a:t>不</a:t>
+            </a:r>
+            <a:endParaRPr lang="en-US" altLang="zh-TW" dirty="0" smtClean="0"/>
+          </a:p>
+          <a:p>
+            <a:pPr marL="0" indent="0">
+              <a:buNone/>
+            </a:pPr>
+            <a:r>
+              <a:rPr lang="zh-TW" altLang="en-US" dirty="0" smtClean="0"/>
+              <a:t>需要</a:t>
+            </a:r>
+            <a:r>
+              <a:rPr lang="zh-TW" altLang="en-US" dirty="0"/>
+              <a:t>擔心操作不慎搞壞機器。</a:t>
+            </a:r>
+            <a:endParaRPr lang="zh-TW" altLang="en-US" dirty="0"/>
           </a:p>
         </p:txBody>
       </p:sp>
       <p:pic>
         <p:nvPicPr>
-          <p:cNvPr id="5" name="內容版面配置區 4">
-            <a:extLst>
-              <a:ext uri="{FF2B5EF4-FFF2-40B4-BE49-F238E27FC236}">
-                <a16:creationId xmlns:a16="http://schemas.microsoft.com/office/drawing/2014/main" id="{CA3FA310-4F72-439F-82D2-8F5B4875F90C}"/>
+          <p:cNvPr id="4" name="圖片 3">
+            <a:extLst>
+              <a:ext uri="{FF2B5EF4-FFF2-40B4-BE49-F238E27FC236}">
+                <a16:creationId xmlns:a16="http://schemas.microsoft.com/office/drawing/2014/main" id="{64AAFFFF-4540-40A3-8502-98936C9411F1}"/>
               </a:ext>
             </a:extLst>
           </p:cNvPr>
           <p:cNvPicPr>
-            <a:picLocks noGrp="1" noChangeAspect="1"/>
+            <a:picLocks noChangeAspect="1"/>
           </p:cNvPicPr>
-          <p:nvPr>
-            <p:ph idx="1"/>
-          </p:nvPr>
+          <p:nvPr/>
         </p:nvPicPr>
         <p:blipFill>
           <a:blip r:embed="rId2"/>
@@ -4398,38 +4577,8 @@
         </p:blipFill>
         <p:spPr>
           <a:xfrm>
-            <a:off x="7623715" y="1685294"/>
-            <a:ext cx="4130505" cy="5167312"/>
-          </a:xfrm>
-          <a:prstGeom prst="rect">
-            <a:avLst/>
-          </a:prstGeom>
-        </p:spPr>
-      </p:pic>
-      <p:pic>
-        <p:nvPicPr>
-          <p:cNvPr id="4" name="圖片 3">
-            <a:extLst>
-              <a:ext uri="{FF2B5EF4-FFF2-40B4-BE49-F238E27FC236}">
-                <a16:creationId xmlns:a16="http://schemas.microsoft.com/office/drawing/2014/main" id="{64AAFFFF-4540-40A3-8502-98936C9411F1}"/>
-              </a:ext>
-            </a:extLst>
-          </p:cNvPr>
-          <p:cNvPicPr>
-            <a:picLocks noChangeAspect="1"/>
-          </p:cNvPicPr>
-          <p:nvPr/>
-        </p:nvPicPr>
-        <p:blipFill>
-          <a:blip r:embed="rId3"/>
-          <a:stretch>
-            <a:fillRect/>
-          </a:stretch>
-        </p:blipFill>
-        <p:spPr>
-          <a:xfrm>
-            <a:off x="112294" y="1690688"/>
-            <a:ext cx="6785515" cy="5161918"/>
+            <a:off x="5860462" y="1696082"/>
+            <a:ext cx="6331538" cy="5161918"/>
           </a:xfrm>
           <a:prstGeom prst="rect">
             <a:avLst/>
@@ -4439,20 +4588,13 @@
     </p:spTree>
     <p:extLst>
       <p:ext uri="{BB962C8B-B14F-4D97-AF65-F5344CB8AC3E}">
-        <p14:creationId xmlns:p14="http://schemas.microsoft.com/office/powerpoint/2010/main" val="2555174680"/>
+        <p14:creationId xmlns:p14="http://schemas.microsoft.com/office/powerpoint/2010/main" val="3301073256"/>
       </p:ext>
     </p:extLst>
   </p:cSld>
   <p:clrMapOvr>
     <a:masterClrMapping/>
   </p:clrMapOvr>
-  <p:timing>
-    <p:tnLst>
-      <p:par>
-        <p:cTn id="1" dur="indefinite" restart="never" nodeType="tmRoot"/>
-      </p:par>
-    </p:tnLst>
-  </p:timing>
 </p:sld>
 </file>
 
@@ -14684,6 +14826,986 @@
     <p:extLst>
       <p:ext uri="{BB962C8B-B14F-4D97-AF65-F5344CB8AC3E}">
         <p14:creationId xmlns:p14="http://schemas.microsoft.com/office/powerpoint/2010/main" val="636054560"/>
+      </p:ext>
+    </p:extLst>
+  </p:cSld>
+  <p:clrMapOvr>
+    <a:masterClrMapping/>
+  </p:clrMapOvr>
+  <p:timing>
+    <p:tnLst>
+      <p:par>
+        <p:cTn id="1" dur="indefinite" restart="never" nodeType="tmRoot"/>
+      </p:par>
+    </p:tnLst>
+  </p:timing>
+</p:sld>
+</file>
+
+<file path=ppt/slides/slide64.xml><?xml version="1.0" encoding="utf-8"?>
+<p:sld xmlns:a="http://schemas.openxmlformats.org/drawingml/2006/main" xmlns:r="http://schemas.openxmlformats.org/officeDocument/2006/relationships" xmlns:p="http://schemas.openxmlformats.org/presentationml/2006/main">
+  <p:cSld>
+    <p:spTree>
+      <p:nvGrpSpPr>
+        <p:cNvPr id="1" name=""/>
+        <p:cNvGrpSpPr/>
+        <p:nvPr/>
+      </p:nvGrpSpPr>
+      <p:grpSpPr>
+        <a:xfrm>
+          <a:off x="0" y="0"/>
+          <a:ext cx="0" cy="0"/>
+          <a:chOff x="0" y="0"/>
+          <a:chExt cx="0" cy="0"/>
+        </a:xfrm>
+      </p:grpSpPr>
+      <p:sp>
+        <p:nvSpPr>
+          <p:cNvPr id="2" name="標題 1"/>
+          <p:cNvSpPr>
+            <a:spLocks noGrp="1"/>
+          </p:cNvSpPr>
+          <p:nvPr>
+            <p:ph type="title"/>
+          </p:nvPr>
+        </p:nvSpPr>
+        <p:spPr/>
+        <p:txBody>
+          <a:bodyPr>
+            <a:normAutofit/>
+          </a:bodyPr>
+          <a:lstStyle/>
+          <a:p>
+            <a:r>
+              <a:rPr lang="en-US" altLang="zh-TW" b="1" dirty="0" smtClean="0"/>
+              <a:t>(1)Simple random data</a:t>
+            </a:r>
+            <a:endParaRPr lang="zh-TW" altLang="en-US" dirty="0"/>
+          </a:p>
+        </p:txBody>
+      </p:sp>
+      <p:sp>
+        <p:nvSpPr>
+          <p:cNvPr id="3" name="內容版面配置區 2"/>
+          <p:cNvSpPr>
+            <a:spLocks noGrp="1"/>
+          </p:cNvSpPr>
+          <p:nvPr>
+            <p:ph idx="1"/>
+          </p:nvPr>
+        </p:nvSpPr>
+        <p:spPr/>
+        <p:txBody>
+          <a:bodyPr>
+            <a:normAutofit fontScale="77500" lnSpcReduction="20000"/>
+          </a:bodyPr>
+          <a:lstStyle/>
+          <a:p>
+            <a:r>
+              <a:rPr lang="en-US" altLang="zh-TW" dirty="0"/>
+              <a:t>rand(d0, d1, …, </a:t>
+            </a:r>
+            <a:r>
+              <a:rPr lang="en-US" altLang="zh-TW" dirty="0" err="1"/>
+              <a:t>dn</a:t>
+            </a:r>
+            <a:r>
+              <a:rPr lang="en-US" altLang="zh-TW" dirty="0"/>
+              <a:t>)	Random values in a given shape.</a:t>
+            </a:r>
+          </a:p>
+          <a:p>
+            <a:r>
+              <a:rPr lang="en-US" altLang="zh-TW" dirty="0" err="1"/>
+              <a:t>randn</a:t>
+            </a:r>
+            <a:r>
+              <a:rPr lang="en-US" altLang="zh-TW" dirty="0"/>
+              <a:t>(d0, d1, …, </a:t>
+            </a:r>
+            <a:r>
+              <a:rPr lang="en-US" altLang="zh-TW" dirty="0" err="1"/>
+              <a:t>dn</a:t>
+            </a:r>
+            <a:r>
+              <a:rPr lang="en-US" altLang="zh-TW" dirty="0"/>
+              <a:t>)	Return a sample (or samples) from the “standard normal” distribution.</a:t>
+            </a:r>
+          </a:p>
+          <a:p>
+            <a:r>
+              <a:rPr lang="en-US" altLang="zh-TW" dirty="0" err="1"/>
+              <a:t>randint</a:t>
+            </a:r>
+            <a:r>
+              <a:rPr lang="en-US" altLang="zh-TW" dirty="0"/>
+              <a:t>(low[, high, size, </a:t>
+            </a:r>
+            <a:r>
+              <a:rPr lang="en-US" altLang="zh-TW" dirty="0" err="1"/>
+              <a:t>dtype</a:t>
+            </a:r>
+            <a:r>
+              <a:rPr lang="en-US" altLang="zh-TW" dirty="0"/>
+              <a:t>])	Return random integers from low (inclusive) to high (exclusive).</a:t>
+            </a:r>
+          </a:p>
+          <a:p>
+            <a:r>
+              <a:rPr lang="en-US" altLang="zh-TW" dirty="0" err="1"/>
+              <a:t>random_integers</a:t>
+            </a:r>
+            <a:r>
+              <a:rPr lang="en-US" altLang="zh-TW" dirty="0"/>
+              <a:t>(low[, high, size])	Random integers of type np.int between low and high, inclusive.</a:t>
+            </a:r>
+          </a:p>
+          <a:p>
+            <a:r>
+              <a:rPr lang="en-US" altLang="zh-TW" dirty="0" err="1"/>
+              <a:t>random_sample</a:t>
+            </a:r>
+            <a:r>
+              <a:rPr lang="en-US" altLang="zh-TW" dirty="0"/>
+              <a:t>([size])	Return random floats in the half-open interval [0.0, 1.0).</a:t>
+            </a:r>
+          </a:p>
+          <a:p>
+            <a:r>
+              <a:rPr lang="en-US" altLang="zh-TW" dirty="0"/>
+              <a:t>random([size])	Return random floats in the half-open interval [0.0, 1.0).</a:t>
+            </a:r>
+          </a:p>
+          <a:p>
+            <a:r>
+              <a:rPr lang="en-US" altLang="zh-TW" dirty="0" err="1"/>
+              <a:t>ranf</a:t>
+            </a:r>
+            <a:r>
+              <a:rPr lang="en-US" altLang="zh-TW" dirty="0"/>
+              <a:t>([size])	Return random floats in the half-open interval [0.0, 1.0).</a:t>
+            </a:r>
+          </a:p>
+          <a:p>
+            <a:r>
+              <a:rPr lang="en-US" altLang="zh-TW" dirty="0"/>
+              <a:t>sample([size])	Return random floats in the half-open interval [0.0, 1.0).</a:t>
+            </a:r>
+          </a:p>
+          <a:p>
+            <a:r>
+              <a:rPr lang="en-US" altLang="zh-TW" dirty="0"/>
+              <a:t>choice(a[, size, replace, p])	Generates a random sample from a given 1-D array</a:t>
+            </a:r>
+          </a:p>
+          <a:p>
+            <a:r>
+              <a:rPr lang="en-US" altLang="zh-TW" dirty="0"/>
+              <a:t>bytes(length)	Return random bytes.</a:t>
+            </a:r>
+            <a:endParaRPr lang="zh-TW" altLang="en-US" dirty="0"/>
+          </a:p>
+        </p:txBody>
+      </p:sp>
+    </p:spTree>
+    <p:extLst>
+      <p:ext uri="{BB962C8B-B14F-4D97-AF65-F5344CB8AC3E}">
+        <p14:creationId xmlns:p14="http://schemas.microsoft.com/office/powerpoint/2010/main" val="3332411862"/>
+      </p:ext>
+    </p:extLst>
+  </p:cSld>
+  <p:clrMapOvr>
+    <a:masterClrMapping/>
+  </p:clrMapOvr>
+  <p:timing>
+    <p:tnLst>
+      <p:par>
+        <p:cTn id="1" dur="indefinite" restart="never" nodeType="tmRoot"/>
+      </p:par>
+    </p:tnLst>
+  </p:timing>
+</p:sld>
+</file>
+
+<file path=ppt/slides/slide65.xml><?xml version="1.0" encoding="utf-8"?>
+<p:sld xmlns:a="http://schemas.openxmlformats.org/drawingml/2006/main" xmlns:r="http://schemas.openxmlformats.org/officeDocument/2006/relationships" xmlns:p="http://schemas.openxmlformats.org/presentationml/2006/main">
+  <p:cSld>
+    <p:spTree>
+      <p:nvGrpSpPr>
+        <p:cNvPr id="1" name=""/>
+        <p:cNvGrpSpPr/>
+        <p:nvPr/>
+      </p:nvGrpSpPr>
+      <p:grpSpPr>
+        <a:xfrm>
+          <a:off x="0" y="0"/>
+          <a:ext cx="0" cy="0"/>
+          <a:chOff x="0" y="0"/>
+          <a:chExt cx="0" cy="0"/>
+        </a:xfrm>
+      </p:grpSpPr>
+      <p:sp>
+        <p:nvSpPr>
+          <p:cNvPr id="2" name="標題 1"/>
+          <p:cNvSpPr>
+            <a:spLocks noGrp="1"/>
+          </p:cNvSpPr>
+          <p:nvPr>
+            <p:ph type="title"/>
+          </p:nvPr>
+        </p:nvSpPr>
+        <p:spPr/>
+        <p:txBody>
+          <a:bodyPr>
+            <a:normAutofit/>
+          </a:bodyPr>
+          <a:lstStyle/>
+          <a:p>
+            <a:r>
+              <a:rPr lang="en-US" altLang="zh-TW" b="1" dirty="0"/>
+              <a:t>(</a:t>
+            </a:r>
+            <a:r>
+              <a:rPr lang="en-US" altLang="zh-TW" b="1" dirty="0" smtClean="0"/>
+              <a:t>2)Permutations</a:t>
+            </a:r>
+            <a:endParaRPr lang="zh-TW" altLang="en-US" dirty="0"/>
+          </a:p>
+        </p:txBody>
+      </p:sp>
+      <p:sp>
+        <p:nvSpPr>
+          <p:cNvPr id="3" name="內容版面配置區 2"/>
+          <p:cNvSpPr>
+            <a:spLocks noGrp="1"/>
+          </p:cNvSpPr>
+          <p:nvPr>
+            <p:ph idx="1"/>
+          </p:nvPr>
+        </p:nvSpPr>
+        <p:spPr/>
+        <p:txBody>
+          <a:bodyPr>
+            <a:normAutofit/>
+          </a:bodyPr>
+          <a:lstStyle/>
+          <a:p>
+            <a:r>
+              <a:rPr lang="en-US" altLang="zh-TW" dirty="0"/>
+              <a:t>shuffle(x)	Modify a sequence in-place by shuffling its contents.</a:t>
+            </a:r>
+          </a:p>
+          <a:p>
+            <a:r>
+              <a:rPr lang="en-US" altLang="zh-TW" dirty="0"/>
+              <a:t>permutation(x)	Randomly permute a sequence, or return a permuted range.</a:t>
+            </a:r>
+            <a:endParaRPr lang="zh-TW" altLang="en-US" dirty="0"/>
+          </a:p>
+        </p:txBody>
+      </p:sp>
+    </p:spTree>
+    <p:extLst>
+      <p:ext uri="{BB962C8B-B14F-4D97-AF65-F5344CB8AC3E}">
+        <p14:creationId xmlns:p14="http://schemas.microsoft.com/office/powerpoint/2010/main" val="2165118907"/>
+      </p:ext>
+    </p:extLst>
+  </p:cSld>
+  <p:clrMapOvr>
+    <a:masterClrMapping/>
+  </p:clrMapOvr>
+  <p:timing>
+    <p:tnLst>
+      <p:par>
+        <p:cTn id="1" dur="indefinite" restart="never" nodeType="tmRoot"/>
+      </p:par>
+    </p:tnLst>
+  </p:timing>
+</p:sld>
+</file>
+
+<file path=ppt/slides/slide66.xml><?xml version="1.0" encoding="utf-8"?>
+<p:sld xmlns:a="http://schemas.openxmlformats.org/drawingml/2006/main" xmlns:r="http://schemas.openxmlformats.org/officeDocument/2006/relationships" xmlns:p="http://schemas.openxmlformats.org/presentationml/2006/main">
+  <p:cSld>
+    <p:spTree>
+      <p:nvGrpSpPr>
+        <p:cNvPr id="1" name=""/>
+        <p:cNvGrpSpPr/>
+        <p:nvPr/>
+      </p:nvGrpSpPr>
+      <p:grpSpPr>
+        <a:xfrm>
+          <a:off x="0" y="0"/>
+          <a:ext cx="0" cy="0"/>
+          <a:chOff x="0" y="0"/>
+          <a:chExt cx="0" cy="0"/>
+        </a:xfrm>
+      </p:grpSpPr>
+      <p:sp>
+        <p:nvSpPr>
+          <p:cNvPr id="2" name="標題 1"/>
+          <p:cNvSpPr>
+            <a:spLocks noGrp="1"/>
+          </p:cNvSpPr>
+          <p:nvPr>
+            <p:ph type="title"/>
+          </p:nvPr>
+        </p:nvSpPr>
+        <p:spPr/>
+        <p:txBody>
+          <a:bodyPr>
+            <a:normAutofit/>
+          </a:bodyPr>
+          <a:lstStyle/>
+          <a:p>
+            <a:r>
+              <a:rPr lang="en-US" altLang="zh-TW" b="1" dirty="0"/>
+              <a:t>(</a:t>
+            </a:r>
+            <a:r>
+              <a:rPr lang="en-US" altLang="zh-TW" b="1" dirty="0" smtClean="0"/>
+              <a:t>3)Distributions</a:t>
+            </a:r>
+            <a:endParaRPr lang="zh-TW" altLang="en-US" dirty="0"/>
+          </a:p>
+        </p:txBody>
+      </p:sp>
+      <p:sp>
+        <p:nvSpPr>
+          <p:cNvPr id="3" name="內容版面配置區 2"/>
+          <p:cNvSpPr>
+            <a:spLocks noGrp="1"/>
+          </p:cNvSpPr>
+          <p:nvPr>
+            <p:ph idx="1"/>
+          </p:nvPr>
+        </p:nvSpPr>
+        <p:spPr/>
+        <p:txBody>
+          <a:bodyPr>
+            <a:normAutofit fontScale="25000" lnSpcReduction="20000"/>
+          </a:bodyPr>
+          <a:lstStyle/>
+          <a:p>
+            <a:r>
+              <a:rPr lang="en-US" altLang="zh-TW" dirty="0"/>
+              <a:t>beta(a, b[, size])	Draw samples from a Beta distribution.</a:t>
+            </a:r>
+          </a:p>
+          <a:p>
+            <a:r>
+              <a:rPr lang="en-US" altLang="zh-TW" dirty="0"/>
+              <a:t>binomial(n, p[, size])	Draw samples from a binomial distribution.</a:t>
+            </a:r>
+          </a:p>
+          <a:p>
+            <a:r>
+              <a:rPr lang="en-US" altLang="zh-TW" dirty="0" err="1"/>
+              <a:t>chisquare</a:t>
+            </a:r>
+            <a:r>
+              <a:rPr lang="en-US" altLang="zh-TW" dirty="0"/>
+              <a:t>(</a:t>
+            </a:r>
+            <a:r>
+              <a:rPr lang="en-US" altLang="zh-TW" dirty="0" err="1"/>
+              <a:t>df</a:t>
+            </a:r>
+            <a:r>
+              <a:rPr lang="en-US" altLang="zh-TW" dirty="0"/>
+              <a:t>[, size])	Draw samples from a chi-square distribution.</a:t>
+            </a:r>
+          </a:p>
+          <a:p>
+            <a:r>
+              <a:rPr lang="en-US" altLang="zh-TW" dirty="0" err="1"/>
+              <a:t>dirichlet</a:t>
+            </a:r>
+            <a:r>
+              <a:rPr lang="en-US" altLang="zh-TW" dirty="0"/>
+              <a:t>(alpha[, size])	Draw samples from the </a:t>
+            </a:r>
+            <a:r>
+              <a:rPr lang="en-US" altLang="zh-TW" dirty="0" err="1"/>
+              <a:t>Dirichlet</a:t>
+            </a:r>
+            <a:r>
+              <a:rPr lang="en-US" altLang="zh-TW" dirty="0"/>
+              <a:t> distribution.</a:t>
+            </a:r>
+          </a:p>
+          <a:p>
+            <a:r>
+              <a:rPr lang="en-US" altLang="zh-TW" dirty="0"/>
+              <a:t>exponential([scale, size])	Draw samples from an exponential distribution.</a:t>
+            </a:r>
+          </a:p>
+          <a:p>
+            <a:r>
+              <a:rPr lang="en-US" altLang="zh-TW" dirty="0"/>
+              <a:t>f(</a:t>
+            </a:r>
+            <a:r>
+              <a:rPr lang="en-US" altLang="zh-TW" dirty="0" err="1"/>
+              <a:t>dfnum</a:t>
+            </a:r>
+            <a:r>
+              <a:rPr lang="en-US" altLang="zh-TW" dirty="0"/>
+              <a:t>, </a:t>
+            </a:r>
+            <a:r>
+              <a:rPr lang="en-US" altLang="zh-TW" dirty="0" err="1"/>
+              <a:t>dfden</a:t>
+            </a:r>
+            <a:r>
+              <a:rPr lang="en-US" altLang="zh-TW" dirty="0"/>
+              <a:t>[, size])	Draw samples from an F distribution.</a:t>
+            </a:r>
+          </a:p>
+          <a:p>
+            <a:r>
+              <a:rPr lang="en-US" altLang="zh-TW" dirty="0"/>
+              <a:t>gamma(shape[, scale, size])	Draw samples from a Gamma distribution.</a:t>
+            </a:r>
+          </a:p>
+          <a:p>
+            <a:r>
+              <a:rPr lang="en-US" altLang="zh-TW" dirty="0"/>
+              <a:t>geometric(p[, size])	Draw samples from the geometric distribution.</a:t>
+            </a:r>
+          </a:p>
+          <a:p>
+            <a:r>
+              <a:rPr lang="en-US" altLang="zh-TW" dirty="0" err="1"/>
+              <a:t>gumbel</a:t>
+            </a:r>
+            <a:r>
+              <a:rPr lang="en-US" altLang="zh-TW" dirty="0"/>
+              <a:t>([</a:t>
+            </a:r>
+            <a:r>
+              <a:rPr lang="en-US" altLang="zh-TW" dirty="0" err="1"/>
+              <a:t>loc</a:t>
+            </a:r>
+            <a:r>
+              <a:rPr lang="en-US" altLang="zh-TW" dirty="0"/>
+              <a:t>, scale, size])	Draw samples from a Gumbel distribution.</a:t>
+            </a:r>
+          </a:p>
+          <a:p>
+            <a:r>
+              <a:rPr lang="en-US" altLang="zh-TW" dirty="0"/>
+              <a:t>hypergeometric(</a:t>
+            </a:r>
+            <a:r>
+              <a:rPr lang="en-US" altLang="zh-TW" dirty="0" err="1"/>
+              <a:t>ngood</a:t>
+            </a:r>
+            <a:r>
+              <a:rPr lang="en-US" altLang="zh-TW" dirty="0"/>
+              <a:t>, </a:t>
+            </a:r>
+            <a:r>
+              <a:rPr lang="en-US" altLang="zh-TW" dirty="0" err="1"/>
+              <a:t>nbad</a:t>
+            </a:r>
+            <a:r>
+              <a:rPr lang="en-US" altLang="zh-TW" dirty="0"/>
+              <a:t>, </a:t>
+            </a:r>
+            <a:r>
+              <a:rPr lang="en-US" altLang="zh-TW" dirty="0" err="1"/>
+              <a:t>nsample</a:t>
+            </a:r>
+            <a:r>
+              <a:rPr lang="en-US" altLang="zh-TW" dirty="0"/>
+              <a:t>[, size])	Draw samples from a Hypergeometric distribution.</a:t>
+            </a:r>
+          </a:p>
+          <a:p>
+            <a:r>
+              <a:rPr lang="en-US" altLang="zh-TW" dirty="0" err="1"/>
+              <a:t>laplace</a:t>
+            </a:r>
+            <a:r>
+              <a:rPr lang="en-US" altLang="zh-TW" dirty="0"/>
+              <a:t>([</a:t>
+            </a:r>
+            <a:r>
+              <a:rPr lang="en-US" altLang="zh-TW" dirty="0" err="1"/>
+              <a:t>loc</a:t>
+            </a:r>
+            <a:r>
+              <a:rPr lang="en-US" altLang="zh-TW" dirty="0"/>
+              <a:t>, scale, size])	Draw samples from the Laplace or double exponential distribution with specified location (or mean) and scale (decay).</a:t>
+            </a:r>
+          </a:p>
+          <a:p>
+            <a:r>
+              <a:rPr lang="en-US" altLang="zh-TW" dirty="0"/>
+              <a:t>logistic([</a:t>
+            </a:r>
+            <a:r>
+              <a:rPr lang="en-US" altLang="zh-TW" dirty="0" err="1"/>
+              <a:t>loc</a:t>
+            </a:r>
+            <a:r>
+              <a:rPr lang="en-US" altLang="zh-TW" dirty="0"/>
+              <a:t>, scale, size])	Draw samples from a logistic distribution.</a:t>
+            </a:r>
+          </a:p>
+          <a:p>
+            <a:r>
+              <a:rPr lang="en-US" altLang="zh-TW" dirty="0"/>
+              <a:t>lognormal([mean, sigma, size])	Draw samples from a log-normal distribution.</a:t>
+            </a:r>
+          </a:p>
+          <a:p>
+            <a:r>
+              <a:rPr lang="en-US" altLang="zh-TW" dirty="0" err="1"/>
+              <a:t>logseries</a:t>
+            </a:r>
+            <a:r>
+              <a:rPr lang="en-US" altLang="zh-TW" dirty="0"/>
+              <a:t>(p[, size])	Draw samples from a logarithmic series distribution.</a:t>
+            </a:r>
+          </a:p>
+          <a:p>
+            <a:r>
+              <a:rPr lang="en-US" altLang="zh-TW" dirty="0"/>
+              <a:t>multinomial(n, </a:t>
+            </a:r>
+            <a:r>
+              <a:rPr lang="en-US" altLang="zh-TW" dirty="0" err="1"/>
+              <a:t>pvals</a:t>
+            </a:r>
+            <a:r>
+              <a:rPr lang="en-US" altLang="zh-TW" dirty="0"/>
+              <a:t>[, size])	Draw samples from a multinomial distribution.</a:t>
+            </a:r>
+          </a:p>
+          <a:p>
+            <a:r>
+              <a:rPr lang="en-US" altLang="zh-TW" dirty="0" err="1"/>
+              <a:t>multivariate_normal</a:t>
+            </a:r>
+            <a:r>
+              <a:rPr lang="en-US" altLang="zh-TW" dirty="0"/>
+              <a:t>(mean, </a:t>
+            </a:r>
+            <a:r>
+              <a:rPr lang="en-US" altLang="zh-TW" dirty="0" err="1"/>
+              <a:t>cov</a:t>
+            </a:r>
+            <a:r>
+              <a:rPr lang="en-US" altLang="zh-TW" dirty="0"/>
+              <a:t>[, size, …)	Draw random samples from a multivariate normal distribution.</a:t>
+            </a:r>
+          </a:p>
+          <a:p>
+            <a:r>
+              <a:rPr lang="en-US" altLang="zh-TW" dirty="0" err="1"/>
+              <a:t>negative_binomial</a:t>
+            </a:r>
+            <a:r>
+              <a:rPr lang="en-US" altLang="zh-TW" dirty="0"/>
+              <a:t>(n, p[, size])	Draw samples from a negative binomial distribution.</a:t>
+            </a:r>
+          </a:p>
+          <a:p>
+            <a:r>
+              <a:rPr lang="en-US" altLang="zh-TW" dirty="0" err="1"/>
+              <a:t>noncentral_chisquare</a:t>
+            </a:r>
+            <a:r>
+              <a:rPr lang="en-US" altLang="zh-TW" dirty="0"/>
+              <a:t>(</a:t>
+            </a:r>
+            <a:r>
+              <a:rPr lang="en-US" altLang="zh-TW" dirty="0" err="1"/>
+              <a:t>df</a:t>
+            </a:r>
+            <a:r>
+              <a:rPr lang="en-US" altLang="zh-TW" dirty="0"/>
+              <a:t>, </a:t>
+            </a:r>
+            <a:r>
+              <a:rPr lang="en-US" altLang="zh-TW" dirty="0" err="1"/>
+              <a:t>nonc</a:t>
+            </a:r>
+            <a:r>
+              <a:rPr lang="en-US" altLang="zh-TW" dirty="0"/>
+              <a:t>[, size])	Draw samples from a </a:t>
+            </a:r>
+            <a:r>
+              <a:rPr lang="en-US" altLang="zh-TW" dirty="0" err="1"/>
+              <a:t>noncentral</a:t>
+            </a:r>
+            <a:r>
+              <a:rPr lang="en-US" altLang="zh-TW" dirty="0"/>
+              <a:t> chi-square distribution.</a:t>
+            </a:r>
+          </a:p>
+          <a:p>
+            <a:r>
+              <a:rPr lang="en-US" altLang="zh-TW" dirty="0" err="1"/>
+              <a:t>noncentral_f</a:t>
+            </a:r>
+            <a:r>
+              <a:rPr lang="en-US" altLang="zh-TW" dirty="0"/>
+              <a:t>(</a:t>
+            </a:r>
+            <a:r>
+              <a:rPr lang="en-US" altLang="zh-TW" dirty="0" err="1"/>
+              <a:t>dfnum</a:t>
+            </a:r>
+            <a:r>
+              <a:rPr lang="en-US" altLang="zh-TW" dirty="0"/>
+              <a:t>, </a:t>
+            </a:r>
+            <a:r>
+              <a:rPr lang="en-US" altLang="zh-TW" dirty="0" err="1"/>
+              <a:t>dfden</a:t>
+            </a:r>
+            <a:r>
+              <a:rPr lang="en-US" altLang="zh-TW" dirty="0"/>
+              <a:t>, </a:t>
+            </a:r>
+            <a:r>
+              <a:rPr lang="en-US" altLang="zh-TW" dirty="0" err="1"/>
+              <a:t>nonc</a:t>
+            </a:r>
+            <a:r>
+              <a:rPr lang="en-US" altLang="zh-TW" dirty="0"/>
+              <a:t>[, size])	Draw samples from the </a:t>
+            </a:r>
+            <a:r>
+              <a:rPr lang="en-US" altLang="zh-TW" dirty="0" err="1"/>
+              <a:t>noncentral</a:t>
+            </a:r>
+            <a:r>
+              <a:rPr lang="en-US" altLang="zh-TW" dirty="0"/>
+              <a:t> F distribution.</a:t>
+            </a:r>
+          </a:p>
+          <a:p>
+            <a:r>
+              <a:rPr lang="en-US" altLang="zh-TW" dirty="0"/>
+              <a:t>normal([</a:t>
+            </a:r>
+            <a:r>
+              <a:rPr lang="en-US" altLang="zh-TW" dirty="0" err="1"/>
+              <a:t>loc</a:t>
+            </a:r>
+            <a:r>
+              <a:rPr lang="en-US" altLang="zh-TW" dirty="0"/>
+              <a:t>, scale, size])	Draw random samples from a normal (Gaussian) distribution.</a:t>
+            </a:r>
+          </a:p>
+          <a:p>
+            <a:r>
+              <a:rPr lang="en-US" altLang="zh-TW" dirty="0" err="1"/>
+              <a:t>pareto</a:t>
+            </a:r>
+            <a:r>
+              <a:rPr lang="en-US" altLang="zh-TW" dirty="0"/>
+              <a:t>(a[, size])	Draw samples from a Pareto II or Lomax distribution with specified shape.</a:t>
+            </a:r>
+          </a:p>
+          <a:p>
+            <a:r>
+              <a:rPr lang="en-US" altLang="zh-TW" dirty="0" err="1"/>
+              <a:t>poisson</a:t>
+            </a:r>
+            <a:r>
+              <a:rPr lang="en-US" altLang="zh-TW" dirty="0"/>
+              <a:t>([lam, size])	Draw samples from a Poisson distribution.</a:t>
+            </a:r>
+          </a:p>
+          <a:p>
+            <a:r>
+              <a:rPr lang="en-US" altLang="zh-TW" dirty="0"/>
+              <a:t>power(a[, size])	Draws samples in [0, 1] from a power distribution with positive exponent a - 1.</a:t>
+            </a:r>
+          </a:p>
+          <a:p>
+            <a:r>
+              <a:rPr lang="en-US" altLang="zh-TW" dirty="0" err="1"/>
+              <a:t>rayleigh</a:t>
+            </a:r>
+            <a:r>
+              <a:rPr lang="en-US" altLang="zh-TW" dirty="0"/>
+              <a:t>([scale, size])	Draw samples from a Rayleigh distribution.</a:t>
+            </a:r>
+          </a:p>
+          <a:p>
+            <a:r>
+              <a:rPr lang="en-US" altLang="zh-TW" dirty="0" err="1"/>
+              <a:t>standard_cauchy</a:t>
+            </a:r>
+            <a:r>
+              <a:rPr lang="en-US" altLang="zh-TW" dirty="0"/>
+              <a:t>([size])	Draw samples from a standard Cauchy distribution with mode = 0.</a:t>
+            </a:r>
+          </a:p>
+          <a:p>
+            <a:r>
+              <a:rPr lang="en-US" altLang="zh-TW" dirty="0" err="1"/>
+              <a:t>standard_exponential</a:t>
+            </a:r>
+            <a:r>
+              <a:rPr lang="en-US" altLang="zh-TW" dirty="0"/>
+              <a:t>([size])	Draw samples from the standard exponential distribution.</a:t>
+            </a:r>
+          </a:p>
+          <a:p>
+            <a:r>
+              <a:rPr lang="en-US" altLang="zh-TW" dirty="0" err="1"/>
+              <a:t>standard_gamma</a:t>
+            </a:r>
+            <a:r>
+              <a:rPr lang="en-US" altLang="zh-TW" dirty="0"/>
+              <a:t>(shape[, size])	Draw samples from a standard Gamma distribution.</a:t>
+            </a:r>
+          </a:p>
+          <a:p>
+            <a:r>
+              <a:rPr lang="en-US" altLang="zh-TW" dirty="0" err="1"/>
+              <a:t>standard_normal</a:t>
+            </a:r>
+            <a:r>
+              <a:rPr lang="en-US" altLang="zh-TW" dirty="0"/>
+              <a:t>([size])	Draw samples from a standard Normal distribution (mean=0, </a:t>
+            </a:r>
+            <a:r>
+              <a:rPr lang="en-US" altLang="zh-TW" dirty="0" err="1"/>
+              <a:t>stdev</a:t>
+            </a:r>
+            <a:r>
+              <a:rPr lang="en-US" altLang="zh-TW" dirty="0"/>
+              <a:t>=1).</a:t>
+            </a:r>
+          </a:p>
+          <a:p>
+            <a:r>
+              <a:rPr lang="en-US" altLang="zh-TW" dirty="0" err="1"/>
+              <a:t>standard_t</a:t>
+            </a:r>
+            <a:r>
+              <a:rPr lang="en-US" altLang="zh-TW" dirty="0"/>
+              <a:t>(</a:t>
+            </a:r>
+            <a:r>
+              <a:rPr lang="en-US" altLang="zh-TW" dirty="0" err="1"/>
+              <a:t>df</a:t>
+            </a:r>
+            <a:r>
+              <a:rPr lang="en-US" altLang="zh-TW" dirty="0"/>
+              <a:t>[, size])	Draw samples from a standard Student’s t distribution with </a:t>
+            </a:r>
+            <a:r>
+              <a:rPr lang="en-US" altLang="zh-TW" dirty="0" err="1"/>
+              <a:t>df</a:t>
+            </a:r>
+            <a:r>
+              <a:rPr lang="en-US" altLang="zh-TW" dirty="0"/>
+              <a:t> degrees of freedom.</a:t>
+            </a:r>
+          </a:p>
+          <a:p>
+            <a:r>
+              <a:rPr lang="en-US" altLang="zh-TW" dirty="0"/>
+              <a:t>triangular(left, mode, right[, size])	Draw samples from the triangular distribution over the interval [left, right].</a:t>
+            </a:r>
+          </a:p>
+          <a:p>
+            <a:r>
+              <a:rPr lang="en-US" altLang="zh-TW" dirty="0"/>
+              <a:t>uniform([low, high, size])	Draw samples from a uniform distribution.</a:t>
+            </a:r>
+          </a:p>
+          <a:p>
+            <a:r>
+              <a:rPr lang="en-US" altLang="zh-TW" dirty="0" err="1"/>
+              <a:t>vonmises</a:t>
+            </a:r>
+            <a:r>
+              <a:rPr lang="en-US" altLang="zh-TW" dirty="0"/>
+              <a:t>(mu, kappa[, size])	Draw samples from a von Mises distribution.</a:t>
+            </a:r>
+          </a:p>
+          <a:p>
+            <a:r>
+              <a:rPr lang="en-US" altLang="zh-TW" dirty="0" err="1"/>
+              <a:t>wald</a:t>
+            </a:r>
+            <a:r>
+              <a:rPr lang="en-US" altLang="zh-TW" dirty="0"/>
+              <a:t>(mean, scale[, size])	Draw samples from a Wald, or inverse Gaussian, distribution.</a:t>
+            </a:r>
+          </a:p>
+          <a:p>
+            <a:r>
+              <a:rPr lang="en-US" altLang="zh-TW" dirty="0" err="1"/>
+              <a:t>weibull</a:t>
+            </a:r>
+            <a:r>
+              <a:rPr lang="en-US" altLang="zh-TW" dirty="0"/>
+              <a:t>(a[, size])	Draw samples from a Weibull distribution.</a:t>
+            </a:r>
+          </a:p>
+          <a:p>
+            <a:r>
+              <a:rPr lang="en-US" altLang="zh-TW" dirty="0" err="1"/>
+              <a:t>zipf</a:t>
+            </a:r>
+            <a:r>
+              <a:rPr lang="en-US" altLang="zh-TW" dirty="0"/>
+              <a:t>(a[, size])	Draw samples from a </a:t>
+            </a:r>
+            <a:r>
+              <a:rPr lang="en-US" altLang="zh-TW" dirty="0" err="1"/>
+              <a:t>Zipf</a:t>
+            </a:r>
+            <a:r>
+              <a:rPr lang="en-US" altLang="zh-TW" dirty="0"/>
+              <a:t> distribution.</a:t>
+            </a:r>
+            <a:endParaRPr lang="zh-TW" altLang="en-US" dirty="0"/>
+          </a:p>
+        </p:txBody>
+      </p:sp>
+    </p:spTree>
+    <p:extLst>
+      <p:ext uri="{BB962C8B-B14F-4D97-AF65-F5344CB8AC3E}">
+        <p14:creationId xmlns:p14="http://schemas.microsoft.com/office/powerpoint/2010/main" val="2239448144"/>
+      </p:ext>
+    </p:extLst>
+  </p:cSld>
+  <p:clrMapOvr>
+    <a:masterClrMapping/>
+  </p:clrMapOvr>
+  <p:timing>
+    <p:tnLst>
+      <p:par>
+        <p:cTn id="1" dur="indefinite" restart="never" nodeType="tmRoot"/>
+      </p:par>
+    </p:tnLst>
+  </p:timing>
+</p:sld>
+</file>
+
+<file path=ppt/slides/slide67.xml><?xml version="1.0" encoding="utf-8"?>
+<p:sld xmlns:a="http://schemas.openxmlformats.org/drawingml/2006/main" xmlns:r="http://schemas.openxmlformats.org/officeDocument/2006/relationships" xmlns:p="http://schemas.openxmlformats.org/presentationml/2006/main">
+  <p:cSld>
+    <p:spTree>
+      <p:nvGrpSpPr>
+        <p:cNvPr id="1" name=""/>
+        <p:cNvGrpSpPr/>
+        <p:nvPr/>
+      </p:nvGrpSpPr>
+      <p:grpSpPr>
+        <a:xfrm>
+          <a:off x="0" y="0"/>
+          <a:ext cx="0" cy="0"/>
+          <a:chOff x="0" y="0"/>
+          <a:chExt cx="0" cy="0"/>
+        </a:xfrm>
+      </p:grpSpPr>
+      <p:sp>
+        <p:nvSpPr>
+          <p:cNvPr id="2" name="標題 1"/>
+          <p:cNvSpPr>
+            <a:spLocks noGrp="1"/>
+          </p:cNvSpPr>
+          <p:nvPr>
+            <p:ph type="title"/>
+          </p:nvPr>
+        </p:nvSpPr>
+        <p:spPr/>
+        <p:txBody>
+          <a:bodyPr>
+            <a:normAutofit/>
+          </a:bodyPr>
+          <a:lstStyle/>
+          <a:p>
+            <a:r>
+              <a:rPr lang="en-US" altLang="zh-TW" b="1" dirty="0"/>
+              <a:t>(4)Random </a:t>
+            </a:r>
+            <a:r>
+              <a:rPr lang="en-US" altLang="zh-TW" b="1" dirty="0" smtClean="0"/>
+              <a:t>generator</a:t>
+            </a:r>
+            <a:endParaRPr lang="zh-TW" altLang="en-US" dirty="0"/>
+          </a:p>
+        </p:txBody>
+      </p:sp>
+      <p:sp>
+        <p:nvSpPr>
+          <p:cNvPr id="3" name="內容版面配置區 2"/>
+          <p:cNvSpPr>
+            <a:spLocks noGrp="1"/>
+          </p:cNvSpPr>
+          <p:nvPr>
+            <p:ph idx="1"/>
+          </p:nvPr>
+        </p:nvSpPr>
+        <p:spPr/>
+        <p:txBody>
+          <a:bodyPr/>
+          <a:lstStyle/>
+          <a:p>
+            <a:r>
+              <a:rPr lang="en-US" altLang="zh-TW" dirty="0" err="1"/>
+              <a:t>RandomState</a:t>
+            </a:r>
+            <a:r>
+              <a:rPr lang="en-US" altLang="zh-TW" dirty="0"/>
+              <a:t>([seed])	Container for the </a:t>
+            </a:r>
+            <a:r>
+              <a:rPr lang="en-US" altLang="zh-TW" dirty="0" err="1"/>
+              <a:t>Mersenne</a:t>
+            </a:r>
+            <a:r>
+              <a:rPr lang="en-US" altLang="zh-TW" dirty="0"/>
+              <a:t> Twister pseudo-random number generator.</a:t>
+            </a:r>
+          </a:p>
+          <a:p>
+            <a:r>
+              <a:rPr lang="en-US" altLang="zh-TW" dirty="0"/>
+              <a:t>seed([seed])	Seed the generator.</a:t>
+            </a:r>
+          </a:p>
+          <a:p>
+            <a:r>
+              <a:rPr lang="en-US" altLang="zh-TW" dirty="0" err="1"/>
+              <a:t>get_state</a:t>
+            </a:r>
+            <a:r>
+              <a:rPr lang="en-US" altLang="zh-TW" dirty="0"/>
+              <a:t>()	Return a tuple representing the internal state of the generator.</a:t>
+            </a:r>
+          </a:p>
+          <a:p>
+            <a:r>
+              <a:rPr lang="en-US" altLang="zh-TW" dirty="0" err="1"/>
+              <a:t>set_state</a:t>
+            </a:r>
+            <a:r>
+              <a:rPr lang="en-US" altLang="zh-TW" dirty="0"/>
+              <a:t>(state)	Set the internal state of the generator from a tuple.</a:t>
+            </a:r>
+            <a:endParaRPr lang="zh-TW" altLang="en-US" dirty="0"/>
+          </a:p>
+        </p:txBody>
+      </p:sp>
+    </p:spTree>
+    <p:extLst>
+      <p:ext uri="{BB962C8B-B14F-4D97-AF65-F5344CB8AC3E}">
+        <p14:creationId xmlns:p14="http://schemas.microsoft.com/office/powerpoint/2010/main" val="4177550264"/>
       </p:ext>
     </p:extLst>
   </p:cSld>
